--- a/DATOS COVID Chile 2021 09 11.pptx
+++ b/DATOS COVID Chile 2021 09 11.pptx
@@ -25,7 +25,7 @@
     <p:sldId id="388" r:id="rId16"/>
     <p:sldId id="282" r:id="rId17"/>
     <p:sldId id="267" r:id="rId18"/>
-    <p:sldId id="404" r:id="rId19"/>
+    <p:sldId id="408" r:id="rId19"/>
     <p:sldId id="407" r:id="rId20"/>
     <p:sldId id="300" r:id="rId21"/>
     <p:sldId id="311" r:id="rId22"/>
@@ -4759,8 +4759,8 @@
         </p:nvSpPr>
         <p:spPr>
           <a:xfrm>
-            <a:off x="443692" y="876693"/>
-            <a:ext cx="11172674" cy="4154984"/>
+            <a:off x="228889" y="876693"/>
+            <a:ext cx="11602279" cy="4154984"/>
           </a:xfrm>
           <a:prstGeom prst="rect">
             <a:avLst/>
@@ -4822,7 +4822,7 @@
                   </a:schemeClr>
                 </a:solidFill>
               </a:rPr>
-              <a:t>AL SÁBADO 4 SEPTIEMBRE 2021</a:t>
+              <a:t>AL SÁBADO 11 SEPTIEMBRE 2021</a:t>
             </a:r>
           </a:p>
         </p:txBody>
@@ -5257,10 +5257,10 @@
       </p:grpSpPr>
       <p:pic>
         <p:nvPicPr>
-          <p:cNvPr id="3" name="Picture 2">
-            <a:extLst>
-              <a:ext uri="{FF2B5EF4-FFF2-40B4-BE49-F238E27FC236}">
-                <a16:creationId xmlns:a16="http://schemas.microsoft.com/office/drawing/2014/main" id="{92101B94-568C-3B44-B374-EB4783611CE6}"/>
+          <p:cNvPr id="2" name="Picture 1">
+            <a:extLst>
+              <a:ext uri="{FF2B5EF4-FFF2-40B4-BE49-F238E27FC236}">
+                <a16:creationId xmlns:a16="http://schemas.microsoft.com/office/drawing/2014/main" id="{C1FAEE35-2C04-5846-918C-3726A7439432}"/>
               </a:ext>
             </a:extLst>
           </p:cNvPr>
@@ -5277,8 +5277,8 @@
         </p:blipFill>
         <p:spPr>
           <a:xfrm>
-            <a:off x="106557" y="1349617"/>
-            <a:ext cx="5949948" cy="4804558"/>
+            <a:off x="0" y="1379434"/>
+            <a:ext cx="5993210" cy="4804557"/>
           </a:xfrm>
           <a:prstGeom prst="rect">
             <a:avLst/>
@@ -5371,7 +5371,7 @@
         </p:nvCxnSpPr>
         <p:spPr>
           <a:xfrm>
-            <a:off x="931737" y="2661556"/>
+            <a:off x="931737" y="1489248"/>
             <a:ext cx="4837997" cy="0"/>
           </a:xfrm>
           <a:prstGeom prst="line">
@@ -5450,14 +5450,16 @@
         </p:nvSpPr>
         <p:spPr>
           <a:xfrm>
-            <a:off x="931737" y="5012874"/>
-            <a:ext cx="4805339" cy="641154"/>
+            <a:off x="931737" y="4784278"/>
+            <a:ext cx="4805339" cy="869750"/>
           </a:xfrm>
           <a:prstGeom prst="rect">
             <a:avLst/>
           </a:prstGeom>
           <a:noFill/>
-          <a:ln w="28575"/>
+          <a:ln w="28575">
+            <a:noFill/>
+          </a:ln>
         </p:spPr>
         <p:style>
           <a:lnRef idx="2">
@@ -5491,12 +5493,55 @@
           </a:p>
         </p:txBody>
       </p:sp>
+      <p:cxnSp>
+        <p:nvCxnSpPr>
+          <p:cNvPr id="9" name="Straight Connector 8">
+            <a:extLst>
+              <a:ext uri="{FF2B5EF4-FFF2-40B4-BE49-F238E27FC236}">
+                <a16:creationId xmlns:a16="http://schemas.microsoft.com/office/drawing/2014/main" id="{926D12E7-379E-6749-8170-5986D13C1F23}"/>
+              </a:ext>
+            </a:extLst>
+          </p:cNvPr>
+          <p:cNvCxnSpPr>
+            <a:cxnSpLocks/>
+          </p:cNvCxnSpPr>
+          <p:nvPr/>
+        </p:nvCxnSpPr>
+        <p:spPr>
+          <a:xfrm>
+            <a:off x="931737" y="4808142"/>
+            <a:ext cx="4437432" cy="0"/>
+          </a:xfrm>
+          <a:prstGeom prst="line">
+            <a:avLst/>
+          </a:prstGeom>
+          <a:ln w="38100">
+            <a:solidFill>
+              <a:srgbClr val="046FC0"/>
+            </a:solidFill>
+          </a:ln>
+        </p:spPr>
+        <p:style>
+          <a:lnRef idx="1">
+            <a:schemeClr val="accent1"/>
+          </a:lnRef>
+          <a:fillRef idx="0">
+            <a:schemeClr val="accent1"/>
+          </a:fillRef>
+          <a:effectRef idx="0">
+            <a:schemeClr val="accent1"/>
+          </a:effectRef>
+          <a:fontRef idx="minor">
+            <a:schemeClr val="tx1"/>
+          </a:fontRef>
+        </p:style>
+      </p:cxnSp>
       <p:pic>
         <p:nvPicPr>
-          <p:cNvPr id="8" name="Picture 7">
-            <a:extLst>
-              <a:ext uri="{FF2B5EF4-FFF2-40B4-BE49-F238E27FC236}">
-                <a16:creationId xmlns:a16="http://schemas.microsoft.com/office/drawing/2014/main" id="{67F4901F-3FAB-024E-972A-BE8DA35852B4}"/>
+          <p:cNvPr id="5" name="Picture 4">
+            <a:extLst>
+              <a:ext uri="{FF2B5EF4-FFF2-40B4-BE49-F238E27FC236}">
+                <a16:creationId xmlns:a16="http://schemas.microsoft.com/office/drawing/2014/main" id="{5CEE4994-58AF-FB4D-BCD1-8803B2B2A1E3}"/>
               </a:ext>
             </a:extLst>
           </p:cNvPr>
@@ -5513,8 +5558,8 @@
         </p:blipFill>
         <p:spPr>
           <a:xfrm>
-            <a:off x="6096000" y="1379433"/>
-            <a:ext cx="5949948" cy="4804558"/>
+            <a:off x="6096000" y="1376858"/>
+            <a:ext cx="5993210" cy="4804557"/>
           </a:xfrm>
           <a:prstGeom prst="rect">
             <a:avLst/>
@@ -5643,10 +5688,10 @@
       </p:grpSpPr>
       <p:pic>
         <p:nvPicPr>
-          <p:cNvPr id="2" name="Picture 1">
-            <a:extLst>
-              <a:ext uri="{FF2B5EF4-FFF2-40B4-BE49-F238E27FC236}">
-                <a16:creationId xmlns:a16="http://schemas.microsoft.com/office/drawing/2014/main" id="{8B38F6B8-6E6D-DB42-8EFD-E97C36D7AD21}"/>
+          <p:cNvPr id="3" name="Picture 2">
+            <a:extLst>
+              <a:ext uri="{FF2B5EF4-FFF2-40B4-BE49-F238E27FC236}">
+                <a16:creationId xmlns:a16="http://schemas.microsoft.com/office/drawing/2014/main" id="{928A3FF4-D289-7049-B4CB-61622E303D8B}"/>
               </a:ext>
             </a:extLst>
           </p:cNvPr>
@@ -5663,8 +5708,8 @@
         </p:blipFill>
         <p:spPr>
           <a:xfrm>
-            <a:off x="2368550" y="584775"/>
-            <a:ext cx="7454900" cy="6019800"/>
+            <a:off x="2595590" y="622838"/>
+            <a:ext cx="7310409" cy="5860511"/>
           </a:xfrm>
           <a:prstGeom prst="rect">
             <a:avLst/>
@@ -5722,7 +5767,7 @@
         </p:nvSpPr>
         <p:spPr>
           <a:xfrm>
-            <a:off x="3835808" y="4661631"/>
+            <a:off x="3999931" y="4208488"/>
             <a:ext cx="5760601" cy="906288"/>
           </a:xfrm>
           <a:prstGeom prst="rect">
@@ -5781,7 +5826,7 @@
         </p:nvCxnSpPr>
         <p:spPr>
           <a:xfrm>
-            <a:off x="3378609" y="3624974"/>
+            <a:off x="3742024" y="3038820"/>
             <a:ext cx="6075634" cy="0"/>
           </a:xfrm>
           <a:prstGeom prst="line">
@@ -5947,10 +5992,10 @@
       </p:sp>
       <p:pic>
         <p:nvPicPr>
-          <p:cNvPr id="5" name="Picture 4">
-            <a:extLst>
-              <a:ext uri="{FF2B5EF4-FFF2-40B4-BE49-F238E27FC236}">
-                <a16:creationId xmlns:a16="http://schemas.microsoft.com/office/drawing/2014/main" id="{EF94B023-2A5F-3F45-BD03-5A37CAA66BDB}"/>
+          <p:cNvPr id="2" name="Picture 1">
+            <a:extLst>
+              <a:ext uri="{FF2B5EF4-FFF2-40B4-BE49-F238E27FC236}">
+                <a16:creationId xmlns:a16="http://schemas.microsoft.com/office/drawing/2014/main" id="{C50E0D70-6795-794C-A2B8-8F3DF7327264}"/>
               </a:ext>
             </a:extLst>
           </p:cNvPr>
@@ -5967,8 +6012,8 @@
         </p:blipFill>
         <p:spPr>
           <a:xfrm>
-            <a:off x="211561" y="1498414"/>
-            <a:ext cx="5856037" cy="4728725"/>
+            <a:off x="114227" y="1457382"/>
+            <a:ext cx="5949799" cy="4769756"/>
           </a:xfrm>
           <a:prstGeom prst="rect">
             <a:avLst/>
@@ -5977,10 +6022,10 @@
       </p:pic>
       <p:pic>
         <p:nvPicPr>
-          <p:cNvPr id="7" name="Picture 6">
-            <a:extLst>
-              <a:ext uri="{FF2B5EF4-FFF2-40B4-BE49-F238E27FC236}">
-                <a16:creationId xmlns:a16="http://schemas.microsoft.com/office/drawing/2014/main" id="{CB800E94-147C-BA47-A910-8898669FF800}"/>
+          <p:cNvPr id="3" name="Picture 2">
+            <a:extLst>
+              <a:ext uri="{FF2B5EF4-FFF2-40B4-BE49-F238E27FC236}">
+                <a16:creationId xmlns:a16="http://schemas.microsoft.com/office/drawing/2014/main" id="{FF550FE9-CFC5-4649-A786-7B883F55A1A0}"/>
               </a:ext>
             </a:extLst>
           </p:cNvPr>
@@ -5997,8 +6042,8 @@
         </p:blipFill>
         <p:spPr>
           <a:xfrm>
-            <a:off x="6124402" y="1498413"/>
-            <a:ext cx="5856037" cy="4728725"/>
+            <a:off x="6127976" y="1485370"/>
+            <a:ext cx="5949799" cy="4769756"/>
           </a:xfrm>
           <a:prstGeom prst="rect">
             <a:avLst/>
@@ -6127,10 +6172,10 @@
       </p:grpSpPr>
       <p:pic>
         <p:nvPicPr>
-          <p:cNvPr id="2" name="Picture 1">
-            <a:extLst>
-              <a:ext uri="{FF2B5EF4-FFF2-40B4-BE49-F238E27FC236}">
-                <a16:creationId xmlns:a16="http://schemas.microsoft.com/office/drawing/2014/main" id="{E8D89216-1A8C-F446-A5A9-B23FDCFE79AB}"/>
+          <p:cNvPr id="3" name="Picture 2">
+            <a:extLst>
+              <a:ext uri="{FF2B5EF4-FFF2-40B4-BE49-F238E27FC236}">
+                <a16:creationId xmlns:a16="http://schemas.microsoft.com/office/drawing/2014/main" id="{AF46FD01-493C-5E42-BFFC-DCD7BF8AA183}"/>
               </a:ext>
             </a:extLst>
           </p:cNvPr>
@@ -6147,8 +6192,8 @@
         </p:blipFill>
         <p:spPr>
           <a:xfrm>
-            <a:off x="1005255" y="593616"/>
-            <a:ext cx="9499600" cy="5892800"/>
+            <a:off x="1207476" y="681744"/>
+            <a:ext cx="9421935" cy="5716543"/>
           </a:xfrm>
           <a:prstGeom prst="rect">
             <a:avLst/>
@@ -6186,97 +6231,6 @@
             <a:r>
               <a:rPr lang="en-US" sz="3200" dirty="0"/>
               <a:t>EVOLUCIÓN DE POSITIVIDAD E INCIDENCIA EN ÚLTIMA SEMANA</a:t>
-            </a:r>
-          </a:p>
-        </p:txBody>
-      </p:sp>
-      <p:sp>
-        <p:nvSpPr>
-          <p:cNvPr id="4" name="Oval 3">
-            <a:extLst>
-              <a:ext uri="{FF2B5EF4-FFF2-40B4-BE49-F238E27FC236}">
-                <a16:creationId xmlns:a16="http://schemas.microsoft.com/office/drawing/2014/main" id="{E574C901-75E8-B842-971B-C98FBAD5D387}"/>
-              </a:ext>
-            </a:extLst>
-          </p:cNvPr>
-          <p:cNvSpPr/>
-          <p:nvPr/>
-        </p:nvSpPr>
-        <p:spPr>
-          <a:xfrm>
-            <a:off x="1687145" y="3491117"/>
-            <a:ext cx="2111486" cy="2111486"/>
-          </a:xfrm>
-          <a:prstGeom prst="ellipse">
-            <a:avLst/>
-          </a:prstGeom>
-          <a:noFill/>
-          <a:ln w="76200">
-            <a:solidFill>
-              <a:srgbClr val="0070C0"/>
-            </a:solidFill>
-          </a:ln>
-        </p:spPr>
-        <p:style>
-          <a:lnRef idx="2">
-            <a:schemeClr val="accent1">
-              <a:shade val="50000"/>
-            </a:schemeClr>
-          </a:lnRef>
-          <a:fillRef idx="1">
-            <a:schemeClr val="accent1"/>
-          </a:fillRef>
-          <a:effectRef idx="0">
-            <a:schemeClr val="accent1"/>
-          </a:effectRef>
-          <a:fontRef idx="minor">
-            <a:schemeClr val="lt1"/>
-          </a:fontRef>
-        </p:style>
-        <p:txBody>
-          <a:bodyPr rtlCol="0" anchor="ctr"/>
-          <a:lstStyle/>
-          <a:p>
-            <a:pPr algn="ctr"/>
-            <a:endParaRPr lang="en-US"/>
-          </a:p>
-        </p:txBody>
-      </p:sp>
-      <p:sp>
-        <p:nvSpPr>
-          <p:cNvPr id="5" name="TextBox 4">
-            <a:extLst>
-              <a:ext uri="{FF2B5EF4-FFF2-40B4-BE49-F238E27FC236}">
-                <a16:creationId xmlns:a16="http://schemas.microsoft.com/office/drawing/2014/main" id="{9CDA74F0-C53B-A443-96DF-43597F502F1C}"/>
-              </a:ext>
-            </a:extLst>
-          </p:cNvPr>
-          <p:cNvSpPr txBox="1"/>
-          <p:nvPr/>
-        </p:nvSpPr>
-        <p:spPr>
-          <a:xfrm>
-            <a:off x="2039137" y="3540016"/>
-            <a:ext cx="1407501" cy="707886"/>
-          </a:xfrm>
-          <a:prstGeom prst="rect">
-            <a:avLst/>
-          </a:prstGeom>
-          <a:noFill/>
-        </p:spPr>
-        <p:txBody>
-          <a:bodyPr wrap="none" rtlCol="0">
-            <a:spAutoFit/>
-          </a:bodyPr>
-          <a:lstStyle/>
-          <a:p>
-            <a:r>
-              <a:rPr lang="en-US" sz="4000" b="1" dirty="0">
-                <a:solidFill>
-                  <a:srgbClr val="0070C0"/>
-                </a:solidFill>
-              </a:rPr>
-              <a:t>META</a:t>
             </a:r>
           </a:p>
         </p:txBody>
@@ -6351,7 +6305,7 @@
           <p:cNvPr id="2" name="Picture 1">
             <a:extLst>
               <a:ext uri="{FF2B5EF4-FFF2-40B4-BE49-F238E27FC236}">
-                <a16:creationId xmlns:a16="http://schemas.microsoft.com/office/drawing/2014/main" id="{C2C19C25-E55F-5942-83B1-1D2B968616B7}"/>
+                <a16:creationId xmlns:a16="http://schemas.microsoft.com/office/drawing/2014/main" id="{3C657AA7-39EF-2F4B-B8EE-17C946B3DF25}"/>
               </a:ext>
             </a:extLst>
           </p:cNvPr>
@@ -6368,8 +6322,8 @@
         </p:blipFill>
         <p:spPr>
           <a:xfrm>
-            <a:off x="1635125" y="781050"/>
-            <a:ext cx="8921750" cy="5631038"/>
+            <a:off x="1631950" y="781050"/>
+            <a:ext cx="8928100" cy="5530784"/>
           </a:xfrm>
           <a:prstGeom prst="rect">
             <a:avLst/>
@@ -6379,7 +6333,7 @@
     </p:spTree>
     <p:extLst>
       <p:ext uri="{BB962C8B-B14F-4D97-AF65-F5344CB8AC3E}">
-        <p14:creationId xmlns:p14="http://schemas.microsoft.com/office/powerpoint/2010/main" val="2803395107"/>
+        <p14:creationId xmlns:p14="http://schemas.microsoft.com/office/powerpoint/2010/main" val="2215819375"/>
       </p:ext>
     </p:extLst>
   </p:cSld>
@@ -6390,7 +6344,7 @@
 </file>
 
 <file path=ppt/slides/slide19.xml><?xml version="1.0" encoding="utf-8"?>
-<p:sld xmlns:a="http://schemas.openxmlformats.org/drawingml/2006/main" xmlns:r="http://schemas.openxmlformats.org/officeDocument/2006/relationships" xmlns:p="http://schemas.openxmlformats.org/presentationml/2006/main">
+<p:sld xmlns:a="http://schemas.openxmlformats.org/drawingml/2006/main" xmlns:r="http://schemas.openxmlformats.org/officeDocument/2006/relationships" xmlns:p="http://schemas.openxmlformats.org/presentationml/2006/main" show="0">
   <p:cSld>
     <p:spTree>
       <p:nvGrpSpPr>
@@ -6806,10 +6760,10 @@
       </p:grpSpPr>
       <p:pic>
         <p:nvPicPr>
-          <p:cNvPr id="2" name="Picture 1">
-            <a:extLst>
-              <a:ext uri="{FF2B5EF4-FFF2-40B4-BE49-F238E27FC236}">
-                <a16:creationId xmlns:a16="http://schemas.microsoft.com/office/drawing/2014/main" id="{2B8A3AC2-77D7-E44E-963B-4529F2DE5406}"/>
+          <p:cNvPr id="4" name="Picture 3">
+            <a:extLst>
+              <a:ext uri="{FF2B5EF4-FFF2-40B4-BE49-F238E27FC236}">
+                <a16:creationId xmlns:a16="http://schemas.microsoft.com/office/drawing/2014/main" id="{1BCBB248-694F-574F-8B76-4BA075FDDD80}"/>
               </a:ext>
             </a:extLst>
           </p:cNvPr>
@@ -6826,8 +6780,8 @@
         </p:blipFill>
         <p:spPr>
           <a:xfrm>
-            <a:off x="966177" y="1181100"/>
-            <a:ext cx="9931400" cy="4495800"/>
+            <a:off x="529264" y="889907"/>
+            <a:ext cx="11375134" cy="5078185"/>
           </a:xfrm>
           <a:prstGeom prst="rect">
             <a:avLst/>
@@ -6849,7 +6803,7 @@
         <p:spPr>
           <a:xfrm>
             <a:off x="869964" y="0"/>
-            <a:ext cx="9898735" cy="584775"/>
+            <a:ext cx="10107126" cy="584775"/>
           </a:xfrm>
           <a:prstGeom prst="rect">
             <a:avLst/>
@@ -6876,7 +6830,7 @@
             </a:r>
             <a:r>
               <a:rPr lang="en-US" sz="3200" dirty="0"/>
-              <a:t> Chile al 3 de </a:t>
+              <a:t> Chile al 10 de </a:t>
             </a:r>
             <a:r>
               <a:rPr lang="en-US" sz="3200" dirty="0" err="1"/>
@@ -6975,8 +6929,8 @@
         </p:nvSpPr>
         <p:spPr>
           <a:xfrm>
-            <a:off x="7816285" y="3429000"/>
-            <a:ext cx="1581202" cy="369332"/>
+            <a:off x="8404113" y="3469822"/>
+            <a:ext cx="1696618" cy="369332"/>
           </a:xfrm>
           <a:prstGeom prst="rect">
             <a:avLst/>
@@ -6995,7 +6949,7 @@
                   <a:srgbClr val="014B8E"/>
                 </a:solidFill>
               </a:rPr>
-              <a:t>(68% del total)</a:t>
+              <a:t>(≈69% del total)</a:t>
             </a:r>
           </a:p>
         </p:txBody>
@@ -7251,10 +7205,10 @@
       </p:sp>
       <p:pic>
         <p:nvPicPr>
-          <p:cNvPr id="2" name="Picture 1">
-            <a:extLst>
-              <a:ext uri="{FF2B5EF4-FFF2-40B4-BE49-F238E27FC236}">
-                <a16:creationId xmlns:a16="http://schemas.microsoft.com/office/drawing/2014/main" id="{0D9A6DC0-4481-7744-954E-A51594B7DE41}"/>
+          <p:cNvPr id="3" name="Picture 2">
+            <a:extLst>
+              <a:ext uri="{FF2B5EF4-FFF2-40B4-BE49-F238E27FC236}">
+                <a16:creationId xmlns:a16="http://schemas.microsoft.com/office/drawing/2014/main" id="{44D8E5E2-191A-874F-B2B2-02B0E32EDF10}"/>
               </a:ext>
             </a:extLst>
           </p:cNvPr>
@@ -7271,8 +7225,8 @@
         </p:blipFill>
         <p:spPr>
           <a:xfrm>
-            <a:off x="1422400" y="1085850"/>
-            <a:ext cx="10014858" cy="5021036"/>
+            <a:off x="1346198" y="1191489"/>
+            <a:ext cx="9892849" cy="5078682"/>
           </a:xfrm>
           <a:prstGeom prst="rect">
             <a:avLst/>
@@ -7968,10 +7922,10 @@
       </p:sp>
       <p:pic>
         <p:nvPicPr>
-          <p:cNvPr id="2" name="Picture 1">
-            <a:extLst>
-              <a:ext uri="{FF2B5EF4-FFF2-40B4-BE49-F238E27FC236}">
-                <a16:creationId xmlns:a16="http://schemas.microsoft.com/office/drawing/2014/main" id="{BC02F22A-F3B8-6F44-B184-AC10528A8061}"/>
+          <p:cNvPr id="3" name="Picture 2">
+            <a:extLst>
+              <a:ext uri="{FF2B5EF4-FFF2-40B4-BE49-F238E27FC236}">
+                <a16:creationId xmlns:a16="http://schemas.microsoft.com/office/drawing/2014/main" id="{EC237C74-14E5-5742-AD80-A9D573766797}"/>
               </a:ext>
             </a:extLst>
           </p:cNvPr>
@@ -7988,8 +7942,8 @@
         </p:blipFill>
         <p:spPr>
           <a:xfrm>
-            <a:off x="2718707" y="954071"/>
-            <a:ext cx="6754586" cy="5501158"/>
+            <a:off x="2618417" y="799044"/>
+            <a:ext cx="6955166" cy="5618085"/>
           </a:xfrm>
           <a:prstGeom prst="rect">
             <a:avLst/>
@@ -8093,10 +8047,10 @@
       </p:sp>
       <p:pic>
         <p:nvPicPr>
-          <p:cNvPr id="2" name="Picture 1">
-            <a:extLst>
-              <a:ext uri="{FF2B5EF4-FFF2-40B4-BE49-F238E27FC236}">
-                <a16:creationId xmlns:a16="http://schemas.microsoft.com/office/drawing/2014/main" id="{F7A00121-35B0-3A43-B3BB-64B4CC8CA3C9}"/>
+          <p:cNvPr id="3" name="Picture 2">
+            <a:extLst>
+              <a:ext uri="{FF2B5EF4-FFF2-40B4-BE49-F238E27FC236}">
+                <a16:creationId xmlns:a16="http://schemas.microsoft.com/office/drawing/2014/main" id="{7E639C14-0428-F748-B6F0-5A19BAF9B006}"/>
               </a:ext>
             </a:extLst>
           </p:cNvPr>
@@ -8113,8 +8067,8 @@
         </p:blipFill>
         <p:spPr>
           <a:xfrm>
-            <a:off x="1747156" y="668934"/>
-            <a:ext cx="9111343" cy="5782666"/>
+            <a:off x="2188028" y="902794"/>
+            <a:ext cx="8613321" cy="5567855"/>
           </a:xfrm>
           <a:prstGeom prst="rect">
             <a:avLst/>
@@ -8218,10 +8172,10 @@
       </p:sp>
       <p:pic>
         <p:nvPicPr>
-          <p:cNvPr id="3" name="Picture 2">
-            <a:extLst>
-              <a:ext uri="{FF2B5EF4-FFF2-40B4-BE49-F238E27FC236}">
-                <a16:creationId xmlns:a16="http://schemas.microsoft.com/office/drawing/2014/main" id="{04D4157F-AA78-FF46-94F2-0656A753F8A6}"/>
+          <p:cNvPr id="2" name="Picture 1">
+            <a:extLst>
+              <a:ext uri="{FF2B5EF4-FFF2-40B4-BE49-F238E27FC236}">
+                <a16:creationId xmlns:a16="http://schemas.microsoft.com/office/drawing/2014/main" id="{9748D698-E658-A641-9C15-456F6199DE99}"/>
               </a:ext>
             </a:extLst>
           </p:cNvPr>
@@ -8238,8 +8192,8 @@
         </p:blipFill>
         <p:spPr>
           <a:xfrm>
-            <a:off x="1865539" y="878145"/>
-            <a:ext cx="8460921" cy="5593412"/>
+            <a:off x="1861456" y="539520"/>
+            <a:ext cx="8939893" cy="5778959"/>
           </a:xfrm>
           <a:prstGeom prst="rect">
             <a:avLst/>
@@ -8433,10 +8387,10 @@
       </p:sp>
       <p:pic>
         <p:nvPicPr>
-          <p:cNvPr id="4" name="Picture 3">
-            <a:extLst>
-              <a:ext uri="{FF2B5EF4-FFF2-40B4-BE49-F238E27FC236}">
-                <a16:creationId xmlns:a16="http://schemas.microsoft.com/office/drawing/2014/main" id="{26A93F96-7826-3F46-A256-880F80EC97C7}"/>
+          <p:cNvPr id="2" name="Picture 1">
+            <a:extLst>
+              <a:ext uri="{FF2B5EF4-FFF2-40B4-BE49-F238E27FC236}">
+                <a16:creationId xmlns:a16="http://schemas.microsoft.com/office/drawing/2014/main" id="{75D9DB2E-367A-684D-B36B-4ECBBC090F84}"/>
               </a:ext>
             </a:extLst>
           </p:cNvPr>
@@ -8453,8 +8407,8 @@
         </p:blipFill>
         <p:spPr>
           <a:xfrm>
-            <a:off x="2661557" y="631876"/>
-            <a:ext cx="7103412" cy="5785253"/>
+            <a:off x="2563585" y="744138"/>
+            <a:ext cx="7064829" cy="5663638"/>
           </a:xfrm>
           <a:prstGeom prst="rect">
             <a:avLst/>
@@ -8493,10 +8447,10 @@
       </p:grpSpPr>
       <p:pic>
         <p:nvPicPr>
-          <p:cNvPr id="2" name="Picture 1">
-            <a:extLst>
-              <a:ext uri="{FF2B5EF4-FFF2-40B4-BE49-F238E27FC236}">
-                <a16:creationId xmlns:a16="http://schemas.microsoft.com/office/drawing/2014/main" id="{D1D850B7-4A19-164A-B01C-3C902258FF88}"/>
+          <p:cNvPr id="5" name="Picture 4">
+            <a:extLst>
+              <a:ext uri="{FF2B5EF4-FFF2-40B4-BE49-F238E27FC236}">
+                <a16:creationId xmlns:a16="http://schemas.microsoft.com/office/drawing/2014/main" id="{E6316F0D-11FE-D343-B013-4FFF166205B3}"/>
               </a:ext>
             </a:extLst>
           </p:cNvPr>
@@ -8513,8 +8467,8 @@
         </p:blipFill>
         <p:spPr>
           <a:xfrm>
-            <a:off x="6077733" y="1586635"/>
-            <a:ext cx="6094497" cy="4955045"/>
+            <a:off x="6083832" y="1614879"/>
+            <a:ext cx="6108168" cy="4896715"/>
           </a:xfrm>
           <a:prstGeom prst="rect">
             <a:avLst/>
@@ -8523,10 +8477,10 @@
       </p:pic>
       <p:pic>
         <p:nvPicPr>
-          <p:cNvPr id="6" name="Picture 5">
-            <a:extLst>
-              <a:ext uri="{FF2B5EF4-FFF2-40B4-BE49-F238E27FC236}">
-                <a16:creationId xmlns:a16="http://schemas.microsoft.com/office/drawing/2014/main" id="{88BF2DA2-D235-5447-8944-C0FED1E91C85}"/>
+          <p:cNvPr id="2" name="Picture 1">
+            <a:extLst>
+              <a:ext uri="{FF2B5EF4-FFF2-40B4-BE49-F238E27FC236}">
+                <a16:creationId xmlns:a16="http://schemas.microsoft.com/office/drawing/2014/main" id="{D1D850B7-4A19-164A-B01C-3C902258FF88}"/>
               </a:ext>
             </a:extLst>
           </p:cNvPr>
@@ -8543,8 +8497,8 @@
         </p:blipFill>
         <p:spPr>
           <a:xfrm>
-            <a:off x="571089" y="1673363"/>
-            <a:ext cx="5860925" cy="4744559"/>
+            <a:off x="97649" y="1586635"/>
+            <a:ext cx="6094497" cy="4955045"/>
           </a:xfrm>
           <a:prstGeom prst="rect">
             <a:avLst/>
@@ -8746,9 +8700,9 @@
           <p:nvPr/>
         </p:nvSpPr>
         <p:spPr>
-          <a:xfrm rot="837761">
-            <a:off x="4468283" y="4230564"/>
-            <a:ext cx="1478500" cy="810084"/>
+          <a:xfrm rot="1998421">
+            <a:off x="4184186" y="4143698"/>
+            <a:ext cx="1557992" cy="810084"/>
           </a:xfrm>
           <a:prstGeom prst="ellipse">
             <a:avLst/>
@@ -8801,7 +8755,7 @@
         <p:spPr>
           <a:xfrm>
             <a:off x="1404987" y="1069064"/>
-            <a:ext cx="4295150" cy="369332"/>
+            <a:ext cx="4723088" cy="369332"/>
           </a:xfrm>
           <a:prstGeom prst="rect">
             <a:avLst/>
@@ -8816,7 +8770,7 @@
           <a:p>
             <a:r>
               <a:rPr lang="en-US" b="1" dirty="0"/>
-              <a:t>DATOS REPORTADOS EL SABADO 28 Agosto</a:t>
+              <a:t>DATOS REPORTADOS EL SABADO 4 SEPTIEMBRE</a:t>
             </a:r>
           </a:p>
         </p:txBody>
@@ -8836,7 +8790,7 @@
         <p:spPr>
           <a:xfrm>
             <a:off x="7276596" y="1069064"/>
-            <a:ext cx="4622547" cy="369332"/>
+            <a:ext cx="4840108" cy="369332"/>
           </a:xfrm>
           <a:prstGeom prst="rect">
             <a:avLst/>
@@ -8851,13 +8805,8 @@
           <a:p>
             <a:r>
               <a:rPr lang="en-US" b="1" dirty="0"/>
-              <a:t>DATOS REPORTADOS EL SABADO 4 </a:t>
-            </a:r>
-            <a:r>
-              <a:rPr lang="en-US" b="1" dirty="0" err="1"/>
-              <a:t>Septiembre</a:t>
-            </a:r>
-            <a:endParaRPr lang="en-US" b="1" dirty="0"/>
+              <a:t>DATOS REPORTADOS EL SABADO 11 SEPTIEMBRE</a:t>
+            </a:r>
           </a:p>
         </p:txBody>
       </p:sp>
@@ -8874,8 +8823,8 @@
           <p:nvPr/>
         </p:nvSpPr>
         <p:spPr>
-          <a:xfrm rot="685766">
-            <a:off x="9610304" y="3808636"/>
+          <a:xfrm rot="1741236">
+            <a:off x="9517918" y="4045663"/>
             <a:ext cx="1430581" cy="925300"/>
           </a:xfrm>
           <a:prstGeom prst="ellipse">
@@ -8945,10 +8894,10 @@
       </p:grpSpPr>
       <p:pic>
         <p:nvPicPr>
-          <p:cNvPr id="4" name="Picture 3">
-            <a:extLst>
-              <a:ext uri="{FF2B5EF4-FFF2-40B4-BE49-F238E27FC236}">
-                <a16:creationId xmlns:a16="http://schemas.microsoft.com/office/drawing/2014/main" id="{4F32B4B1-7AE0-0E45-A8F0-9335D42C413A}"/>
+          <p:cNvPr id="5" name="Picture 4">
+            <a:extLst>
+              <a:ext uri="{FF2B5EF4-FFF2-40B4-BE49-F238E27FC236}">
+                <a16:creationId xmlns:a16="http://schemas.microsoft.com/office/drawing/2014/main" id="{A4DFEA23-34FD-D04C-BF05-DF9EABFFADC7}"/>
               </a:ext>
             </a:extLst>
           </p:cNvPr>
@@ -8965,8 +8914,8 @@
         </p:blipFill>
         <p:spPr>
           <a:xfrm>
-            <a:off x="6248690" y="1992268"/>
-            <a:ext cx="5183018" cy="4213980"/>
+            <a:off x="5769687" y="1621076"/>
+            <a:ext cx="5717814" cy="4583781"/>
           </a:xfrm>
           <a:prstGeom prst="rect">
             <a:avLst/>
@@ -8975,10 +8924,10 @@
       </p:pic>
       <p:pic>
         <p:nvPicPr>
-          <p:cNvPr id="2" name="Picture 1">
-            <a:extLst>
-              <a:ext uri="{FF2B5EF4-FFF2-40B4-BE49-F238E27FC236}">
-                <a16:creationId xmlns:a16="http://schemas.microsoft.com/office/drawing/2014/main" id="{2FEFF0C1-B47D-E847-9789-21ACF325BBD3}"/>
+          <p:cNvPr id="4" name="Picture 3">
+            <a:extLst>
+              <a:ext uri="{FF2B5EF4-FFF2-40B4-BE49-F238E27FC236}">
+                <a16:creationId xmlns:a16="http://schemas.microsoft.com/office/drawing/2014/main" id="{4F32B4B1-7AE0-0E45-A8F0-9335D42C413A}"/>
               </a:ext>
             </a:extLst>
           </p:cNvPr>
@@ -8995,8 +8944,8 @@
         </p:blipFill>
         <p:spPr>
           <a:xfrm>
-            <a:off x="97649" y="1992268"/>
-            <a:ext cx="5183017" cy="4298111"/>
+            <a:off x="67443" y="1874663"/>
+            <a:ext cx="5183018" cy="4213980"/>
           </a:xfrm>
           <a:prstGeom prst="rect">
             <a:avLst/>
@@ -9316,7 +9265,7 @@
         <p:spPr>
           <a:xfrm>
             <a:off x="609617" y="1178877"/>
-            <a:ext cx="4444807" cy="369332"/>
+            <a:ext cx="4723088" cy="369332"/>
           </a:xfrm>
           <a:prstGeom prst="rect">
             <a:avLst/>
@@ -9331,7 +9280,7 @@
           <a:p>
             <a:r>
               <a:rPr lang="en-US" b="1" dirty="0"/>
-              <a:t>DATOS REPORTADOS EL SABADO 28 AGOSTO</a:t>
+              <a:t>DATOS REPORTADOS EL SABADO 4 SEPTIEMBRE</a:t>
             </a:r>
           </a:p>
         </p:txBody>
@@ -9351,7 +9300,7 @@
         <p:spPr>
           <a:xfrm>
             <a:off x="6563611" y="1176051"/>
-            <a:ext cx="4723088" cy="369332"/>
+            <a:ext cx="4840108" cy="369332"/>
           </a:xfrm>
           <a:prstGeom prst="rect">
             <a:avLst/>
@@ -9366,7 +9315,7 @@
           <a:p>
             <a:r>
               <a:rPr lang="en-US" b="1" dirty="0"/>
-              <a:t>DATOS REPORTADOS EL SABADO 4 SEPTIEMBRE</a:t>
+              <a:t>DATOS REPORTADOS EL SABADO 11 SEPTIEMBRE</a:t>
             </a:r>
           </a:p>
         </p:txBody>
@@ -9385,7 +9334,7 @@
         </p:nvSpPr>
         <p:spPr>
           <a:xfrm>
-            <a:off x="5034814" y="3540616"/>
+            <a:off x="5008617" y="4091832"/>
             <a:ext cx="1116139" cy="646331"/>
           </a:xfrm>
           <a:prstGeom prst="rect">
@@ -9439,7 +9388,7 @@
         </p:nvSpPr>
         <p:spPr>
           <a:xfrm>
-            <a:off x="5042988" y="4452466"/>
+            <a:off x="5016791" y="4841062"/>
             <a:ext cx="1403333" cy="646331"/>
           </a:xfrm>
           <a:prstGeom prst="rect">
@@ -9500,9 +9449,9 @@
           <p:nvPr/>
         </p:nvSpPr>
         <p:spPr>
-          <a:xfrm rot="748054">
-            <a:off x="3611830" y="4366567"/>
-            <a:ext cx="1349125" cy="762112"/>
+          <a:xfrm rot="1424736">
+            <a:off x="3588234" y="4138952"/>
+            <a:ext cx="1349125" cy="678154"/>
           </a:xfrm>
           <a:prstGeom prst="ellipse">
             <a:avLst/>
@@ -9553,8 +9502,8 @@
           <p:nvPr/>
         </p:nvSpPr>
         <p:spPr>
-          <a:xfrm rot="559946">
-            <a:off x="9266243" y="4022275"/>
+          <a:xfrm rot="1154924">
+            <a:off x="9168269" y="3989617"/>
             <a:ext cx="1243343" cy="787835"/>
           </a:xfrm>
           <a:prstGeom prst="ellipse">
